--- a/0_ressources/presentation_android.pptx
+++ b/0_ressources/presentation_android.pptx
@@ -205,7 +205,7 @@
           <a:p>
             <a:fld id="{2A11EF29-F031-4460-BDC1-2F4C0816FF62}" type="datetimeFigureOut">
               <a:rPr lang="fr-FR" smtClean="0"/>
-              <a:t>03/01/2020</a:t>
+              <a:t>19/01/2020</a:t>
             </a:fld>
             <a:endParaRPr lang="fr-FR"/>
           </a:p>
@@ -590,6 +590,93 @@
 </p:notes>
 </file>
 
+<file path=ppt/notesSlides/notesSlide2.xml><?xml version="1.0" encoding="utf-8"?>
+<p:notes xmlns:a="http://schemas.openxmlformats.org/drawingml/2006/main" xmlns:r="http://schemas.openxmlformats.org/officeDocument/2006/relationships" xmlns:p="http://schemas.openxmlformats.org/presentationml/2006/main">
+  <p:cSld>
+    <p:spTree>
+      <p:nvGrpSpPr>
+        <p:cNvPr id="1" name=""/>
+        <p:cNvGrpSpPr/>
+        <p:nvPr/>
+      </p:nvGrpSpPr>
+      <p:grpSpPr>
+        <a:xfrm>
+          <a:off x="0" y="0"/>
+          <a:ext cx="0" cy="0"/>
+          <a:chOff x="0" y="0"/>
+          <a:chExt cx="0" cy="0"/>
+        </a:xfrm>
+      </p:grpSpPr>
+      <p:sp>
+        <p:nvSpPr>
+          <p:cNvPr id="2" name="Espace réservé de l'image des diapositives 1"/>
+          <p:cNvSpPr>
+            <a:spLocks noGrp="1" noRot="1" noChangeAspect="1"/>
+          </p:cNvSpPr>
+          <p:nvPr>
+            <p:ph type="sldImg"/>
+          </p:nvPr>
+        </p:nvSpPr>
+        <p:spPr/>
+      </p:sp>
+      <p:sp>
+        <p:nvSpPr>
+          <p:cNvPr id="3" name="Espace réservé des notes 2"/>
+          <p:cNvSpPr>
+            <a:spLocks noGrp="1"/>
+          </p:cNvSpPr>
+          <p:nvPr>
+            <p:ph type="body" idx="1"/>
+          </p:nvPr>
+        </p:nvSpPr>
+        <p:spPr/>
+        <p:txBody>
+          <a:bodyPr/>
+          <a:lstStyle/>
+          <a:p>
+            <a:r>
+              <a:rPr lang="fr-FR" dirty="0"/>
+              <a:t>Source : https://developer.android.com/studio/build</a:t>
+            </a:r>
+          </a:p>
+        </p:txBody>
+      </p:sp>
+      <p:sp>
+        <p:nvSpPr>
+          <p:cNvPr id="4" name="Espace réservé du numéro de diapositive 3"/>
+          <p:cNvSpPr>
+            <a:spLocks noGrp="1"/>
+          </p:cNvSpPr>
+          <p:nvPr>
+            <p:ph type="sldNum" sz="quarter" idx="5"/>
+          </p:nvPr>
+        </p:nvSpPr>
+        <p:spPr/>
+        <p:txBody>
+          <a:bodyPr/>
+          <a:lstStyle/>
+          <a:p>
+            <a:fld id="{EF12E977-82C1-4366-8217-70F96AE9AED3}" type="slidenum">
+              <a:rPr lang="fr-FR" smtClean="0"/>
+              <a:t>9</a:t>
+            </a:fld>
+            <a:endParaRPr lang="fr-FR"/>
+          </a:p>
+        </p:txBody>
+      </p:sp>
+    </p:spTree>
+    <p:extLst>
+      <p:ext uri="{BB962C8B-B14F-4D97-AF65-F5344CB8AC3E}">
+        <p14:creationId xmlns:p14="http://schemas.microsoft.com/office/powerpoint/2010/main" val="2634199022"/>
+      </p:ext>
+    </p:extLst>
+  </p:cSld>
+  <p:clrMapOvr>
+    <a:masterClrMapping/>
+  </p:clrMapOvr>
+</p:notes>
+</file>
+
 <file path=ppt/slideLayouts/slideLayout1.xml><?xml version="1.0" encoding="utf-8"?>
 <p:sldLayout xmlns:a="http://schemas.openxmlformats.org/drawingml/2006/main" xmlns:r="http://schemas.openxmlformats.org/officeDocument/2006/relationships" xmlns:p="http://schemas.openxmlformats.org/presentationml/2006/main" type="title" preserve="1">
   <p:cSld name="Diapositive de titre">
@@ -719,7 +806,7 @@
           <a:p>
             <a:fld id="{61E68B4C-A18C-4580-9DBF-10C1B552DA0A}" type="datetime1">
               <a:rPr lang="fr-FR" smtClean="0"/>
-              <a:t>03/01/2020</a:t>
+              <a:t>19/01/2020</a:t>
             </a:fld>
             <a:endParaRPr lang="fr-FR"/>
           </a:p>
@@ -890,7 +977,7 @@
           <a:p>
             <a:fld id="{33BBDF30-760E-44D6-9977-54B88BDB306F}" type="datetime1">
               <a:rPr lang="fr-FR" smtClean="0"/>
-              <a:t>03/01/2020</a:t>
+              <a:t>19/01/2020</a:t>
             </a:fld>
             <a:endParaRPr lang="fr-FR"/>
           </a:p>
@@ -1071,7 +1158,7 @@
           <a:p>
             <a:fld id="{936C1701-50D5-46A3-8884-D7962FCBEB35}" type="datetime1">
               <a:rPr lang="fr-FR" smtClean="0"/>
-              <a:t>03/01/2020</a:t>
+              <a:t>19/01/2020</a:t>
             </a:fld>
             <a:endParaRPr lang="fr-FR"/>
           </a:p>
@@ -1242,7 +1329,7 @@
           <a:p>
             <a:fld id="{FB1C5CD7-A317-4B47-8334-BE6C77F3043D}" type="datetime1">
               <a:rPr lang="fr-FR" smtClean="0"/>
-              <a:t>03/01/2020</a:t>
+              <a:t>19/01/2020</a:t>
             </a:fld>
             <a:endParaRPr lang="fr-FR"/>
           </a:p>
@@ -1490,7 +1577,7 @@
           <a:p>
             <a:fld id="{27BB4E62-2182-4E64-A865-E0316FE55639}" type="datetime1">
               <a:rPr lang="fr-FR" smtClean="0"/>
-              <a:t>03/01/2020</a:t>
+              <a:t>19/01/2020</a:t>
             </a:fld>
             <a:endParaRPr lang="fr-FR"/>
           </a:p>
@@ -1722,7 +1809,7 @@
           <a:p>
             <a:fld id="{5C848654-37BD-4CD6-BC6D-5ABAE3294E16}" type="datetime1">
               <a:rPr lang="fr-FR" smtClean="0"/>
-              <a:t>03/01/2020</a:t>
+              <a:t>19/01/2020</a:t>
             </a:fld>
             <a:endParaRPr lang="fr-FR"/>
           </a:p>
@@ -2089,7 +2176,7 @@
           <a:p>
             <a:fld id="{868D0E6B-48A9-4A38-BF7D-049DC383303E}" type="datetime1">
               <a:rPr lang="fr-FR" smtClean="0"/>
-              <a:t>03/01/2020</a:t>
+              <a:t>19/01/2020</a:t>
             </a:fld>
             <a:endParaRPr lang="fr-FR"/>
           </a:p>
@@ -2209,7 +2296,7 @@
           <a:p>
             <a:fld id="{48C90E04-18E3-4E93-8B1D-B61C20F8CDF0}" type="datetime1">
               <a:rPr lang="fr-FR" smtClean="0"/>
-              <a:t>03/01/2020</a:t>
+              <a:t>19/01/2020</a:t>
             </a:fld>
             <a:endParaRPr lang="fr-FR"/>
           </a:p>
@@ -2307,7 +2394,7 @@
           <a:p>
             <a:fld id="{35B94D30-C13E-4A60-87D1-612090FE3305}" type="datetime1">
               <a:rPr lang="fr-FR" smtClean="0"/>
-              <a:t>03/01/2020</a:t>
+              <a:t>19/01/2020</a:t>
             </a:fld>
             <a:endParaRPr lang="fr-FR"/>
           </a:p>
@@ -2585,7 +2672,7 @@
           <a:p>
             <a:fld id="{566614E8-8C48-447B-8312-B5AD964AE5CA}" type="datetime1">
               <a:rPr lang="fr-FR" smtClean="0"/>
-              <a:t>03/01/2020</a:t>
+              <a:t>19/01/2020</a:t>
             </a:fld>
             <a:endParaRPr lang="fr-FR"/>
           </a:p>
@@ -2840,7 +2927,7 @@
           <a:p>
             <a:fld id="{269CDBDD-4A65-4264-B0FD-6A38E12ADD25}" type="datetime1">
               <a:rPr lang="fr-FR" smtClean="0"/>
-              <a:t>03/01/2020</a:t>
+              <a:t>19/01/2020</a:t>
             </a:fld>
             <a:endParaRPr lang="fr-FR"/>
           </a:p>
@@ -3054,7 +3141,7 @@
           <a:p>
             <a:fld id="{A2F7CCBE-29F8-4CD9-B9A9-0931E30CBD53}" type="datetime1">
               <a:rPr lang="fr-FR" smtClean="0"/>
-              <a:t>03/01/2020</a:t>
+              <a:t>19/01/2020</a:t>
             </a:fld>
             <a:endParaRPr lang="fr-FR"/>
           </a:p>
@@ -4727,11 +4814,13 @@
         </p:nvSpPr>
         <p:spPr/>
         <p:txBody>
-          <a:bodyPr/>
-          <a:lstStyle/>
-          <a:p>
-            <a:r>
-              <a:rPr lang="fr-FR" dirty="0"/>
+          <a:bodyPr>
+            <a:normAutofit/>
+          </a:bodyPr>
+          <a:lstStyle/>
+          <a:p>
+            <a:r>
+              <a:rPr lang="fr-FR" b="1" dirty="0"/>
               <a:t>Dossier « java »</a:t>
             </a:r>
           </a:p>
@@ -4900,90 +4989,140 @@
           <a:lstStyle/>
           <a:p>
             <a:r>
+              <a:rPr lang="fr-FR" b="1" dirty="0"/>
+              <a:t>Compilation du projet</a:t>
+            </a:r>
+          </a:p>
+        </p:txBody>
+      </p:sp>
+      <p:sp>
+        <p:nvSpPr>
+          <p:cNvPr id="3" name="Espace réservé du contenu 2"/>
+          <p:cNvSpPr>
+            <a:spLocks noGrp="1"/>
+          </p:cNvSpPr>
+          <p:nvPr>
+            <p:ph sz="half" idx="1"/>
+          </p:nvPr>
+        </p:nvSpPr>
+        <p:spPr/>
+        <p:txBody>
+          <a:bodyPr>
+            <a:normAutofit lnSpcReduction="10000"/>
+          </a:bodyPr>
+          <a:lstStyle/>
+          <a:p>
+            <a:r>
               <a:rPr lang="fr-FR" dirty="0"/>
-              <a:t>Dossier « </a:t>
+              <a:t>Pré-compilation en </a:t>
             </a:r>
             <a:r>
               <a:rPr lang="fr-FR" dirty="0" err="1"/>
-              <a:t>res</a:t>
+              <a:t>bytecode</a:t>
             </a:r>
             <a:r>
               <a:rPr lang="fr-FR" dirty="0"/>
-              <a:t> » (ressources)</a:t>
-            </a:r>
-          </a:p>
-        </p:txBody>
-      </p:sp>
-      <p:sp>
-        <p:nvSpPr>
-          <p:cNvPr id="3" name="Espace réservé du contenu 2"/>
-          <p:cNvSpPr>
-            <a:spLocks noGrp="1"/>
-          </p:cNvSpPr>
-          <p:nvPr>
-            <p:ph sz="half" idx="1"/>
-          </p:nvPr>
-        </p:nvSpPr>
-        <p:spPr/>
-        <p:txBody>
-          <a:bodyPr/>
-          <a:lstStyle/>
+              <a:t> (fichiers .class binaire)</a:t>
+            </a:r>
+          </a:p>
           <a:p>
             <a:r>
               <a:rPr lang="fr-FR" dirty="0"/>
-              <a:t>Données utilisées</a:t>
-            </a:r>
-          </a:p>
-          <a:p>
-            <a:pPr lvl="1"/>
+              <a:t>Compilation spécifique pour </a:t>
+            </a:r>
             <a:r>
               <a:rPr lang="fr-FR" dirty="0" err="1"/>
-              <a:t>drawable</a:t>
+              <a:t>Dalvik</a:t>
             </a:r>
             <a:r>
               <a:rPr lang="fr-FR" dirty="0"/>
-              <a:t> : images</a:t>
-            </a:r>
-          </a:p>
-          <a:p>
-            <a:pPr lvl="1"/>
+              <a:t> (fichier DEX)</a:t>
+            </a:r>
+          </a:p>
+          <a:p>
+            <a:r>
+              <a:rPr lang="fr-FR" dirty="0"/>
+              <a:t>Regroupement dans un fichier .</a:t>
+            </a:r>
             <a:r>
               <a:rPr lang="fr-FR" dirty="0" err="1"/>
-              <a:t>layout</a:t>
+              <a:t>apk</a:t>
+            </a:r>
+            <a:r>
+              <a:rPr lang="fr-FR"/>
+              <a:t> signé</a:t>
+            </a:r>
+            <a:endParaRPr lang="fr-FR" dirty="0"/>
+          </a:p>
+          <a:p>
+            <a:endParaRPr lang="fr-FR" dirty="0"/>
+          </a:p>
+          <a:p>
+            <a:r>
+              <a:rPr lang="fr-FR" dirty="0" err="1"/>
+              <a:t>Dalvik</a:t>
             </a:r>
             <a:r>
               <a:rPr lang="fr-FR" dirty="0"/>
-              <a:t> : les vues en XML</a:t>
-            </a:r>
-          </a:p>
-          <a:p>
-            <a:pPr lvl="1"/>
-            <a:r>
-              <a:rPr lang="fr-FR" dirty="0"/>
-              <a:t>menu : les menus en XML</a:t>
-            </a:r>
-          </a:p>
-          <a:p>
-            <a:pPr lvl="1"/>
-            <a:r>
-              <a:rPr lang="fr-FR" dirty="0"/>
-              <a:t>values : les constantes </a:t>
-            </a:r>
-            <a:r>
-              <a:rPr lang="fr-FR" b="1" dirty="0"/>
-              <a:t>régionalisées </a:t>
-            </a:r>
-            <a:r>
-              <a:rPr lang="fr-FR" dirty="0"/>
-              <a:t>(string, couleur, …)</a:t>
-            </a:r>
-            <a:endParaRPr lang="fr-FR" b="1" dirty="0"/>
+              <a:t> est une Java Virtual Machine (JVM) optimisée pour les téléphones et les tablettes</a:t>
+            </a:r>
+          </a:p>
+        </p:txBody>
+      </p:sp>
+      <p:sp>
+        <p:nvSpPr>
+          <p:cNvPr id="4" name="Espace réservé du pied de page 3"/>
+          <p:cNvSpPr>
+            <a:spLocks noGrp="1"/>
+          </p:cNvSpPr>
+          <p:nvPr>
+            <p:ph type="ftr" sz="quarter" idx="11"/>
+          </p:nvPr>
+        </p:nvSpPr>
+        <p:spPr/>
+        <p:txBody>
+          <a:bodyPr/>
+          <a:lstStyle/>
+          <a:p>
+            <a:r>
+              <a:rPr lang="fr-FR"/>
+              <a:t>Sasyan Valentin</a:t>
+            </a:r>
+          </a:p>
+        </p:txBody>
+      </p:sp>
+      <p:sp>
+        <p:nvSpPr>
+          <p:cNvPr id="5" name="Espace réservé du numéro de diapositive 4"/>
+          <p:cNvSpPr>
+            <a:spLocks noGrp="1"/>
+          </p:cNvSpPr>
+          <p:nvPr>
+            <p:ph type="sldNum" sz="quarter" idx="12"/>
+          </p:nvPr>
+        </p:nvSpPr>
+        <p:spPr/>
+        <p:txBody>
+          <a:bodyPr/>
+          <a:lstStyle/>
+          <a:p>
+            <a:fld id="{3A78B538-00F0-400D-A284-C229639D6691}" type="slidenum">
+              <a:rPr lang="fr-FR" smtClean="0"/>
+              <a:t>9</a:t>
+            </a:fld>
+            <a:endParaRPr lang="fr-FR"/>
           </a:p>
         </p:txBody>
       </p:sp>
       <p:pic>
         <p:nvPicPr>
-          <p:cNvPr id="7" name="Espace réservé du contenu 6"/>
+          <p:cNvPr id="10" name="Espace réservé du contenu 9">
+            <a:extLst>
+              <a:ext uri="{FF2B5EF4-FFF2-40B4-BE49-F238E27FC236}">
+                <a16:creationId xmlns:a16="http://schemas.microsoft.com/office/drawing/2014/main" id="{A6E164FF-1329-4D02-8176-815C355C92B4}"/>
+              </a:ext>
+            </a:extLst>
+          </p:cNvPr>
           <p:cNvPicPr>
             <a:picLocks noGrp="1" noChangeAspect="1"/>
           </p:cNvPicPr>
@@ -4992,7 +5131,7 @@
           </p:nvPr>
         </p:nvPicPr>
         <p:blipFill>
-          <a:blip r:embed="rId2">
+          <a:blip r:embed="rId3" cstate="print">
             <a:extLst>
               <a:ext uri="{28A0092B-C50C-407E-A947-70E740481C1C}">
                 <a14:useLocalDpi xmlns:a14="http://schemas.microsoft.com/office/drawing/2010/main" val="0"/>
@@ -5005,56 +5144,11 @@
         </p:blipFill>
         <p:spPr>
           <a:xfrm>
-            <a:off x="6172200" y="3263912"/>
-            <a:ext cx="5181600" cy="1474763"/>
+            <a:off x="6827714" y="1825625"/>
+            <a:ext cx="3870572" cy="4351338"/>
           </a:xfrm>
         </p:spPr>
       </p:pic>
-      <p:sp>
-        <p:nvSpPr>
-          <p:cNvPr id="4" name="Espace réservé du pied de page 3"/>
-          <p:cNvSpPr>
-            <a:spLocks noGrp="1"/>
-          </p:cNvSpPr>
-          <p:nvPr>
-            <p:ph type="ftr" sz="quarter" idx="11"/>
-          </p:nvPr>
-        </p:nvSpPr>
-        <p:spPr/>
-        <p:txBody>
-          <a:bodyPr/>
-          <a:lstStyle/>
-          <a:p>
-            <a:r>
-              <a:rPr lang="fr-FR"/>
-              <a:t>Sasyan Valentin</a:t>
-            </a:r>
-          </a:p>
-        </p:txBody>
-      </p:sp>
-      <p:sp>
-        <p:nvSpPr>
-          <p:cNvPr id="5" name="Espace réservé du numéro de diapositive 4"/>
-          <p:cNvSpPr>
-            <a:spLocks noGrp="1"/>
-          </p:cNvSpPr>
-          <p:nvPr>
-            <p:ph type="sldNum" sz="quarter" idx="12"/>
-          </p:nvPr>
-        </p:nvSpPr>
-        <p:spPr/>
-        <p:txBody>
-          <a:bodyPr/>
-          <a:lstStyle/>
-          <a:p>
-            <a:fld id="{3A78B538-00F0-400D-A284-C229639D6691}" type="slidenum">
-              <a:rPr lang="fr-FR" smtClean="0"/>
-              <a:t>9</a:t>
-            </a:fld>
-            <a:endParaRPr lang="fr-FR"/>
-          </a:p>
-        </p:txBody>
-      </p:sp>
     </p:spTree>
     <p:extLst>
       <p:ext uri="{BB962C8B-B14F-4D97-AF65-F5344CB8AC3E}">

--- a/0_ressources/presentation_android.pptx
+++ b/0_ressources/presentation_android.pptx
@@ -205,7 +205,7 @@
           <a:p>
             <a:fld id="{2A11EF29-F031-4460-BDC1-2F4C0816FF62}" type="datetimeFigureOut">
               <a:rPr lang="fr-FR" smtClean="0"/>
-              <a:t>19/01/2020</a:t>
+              <a:t>15/01/2021</a:t>
             </a:fld>
             <a:endParaRPr lang="fr-FR"/>
           </a:p>
@@ -806,7 +806,7 @@
           <a:p>
             <a:fld id="{61E68B4C-A18C-4580-9DBF-10C1B552DA0A}" type="datetime1">
               <a:rPr lang="fr-FR" smtClean="0"/>
-              <a:t>19/01/2020</a:t>
+              <a:t>15/01/2021</a:t>
             </a:fld>
             <a:endParaRPr lang="fr-FR"/>
           </a:p>
@@ -977,7 +977,7 @@
           <a:p>
             <a:fld id="{33BBDF30-760E-44D6-9977-54B88BDB306F}" type="datetime1">
               <a:rPr lang="fr-FR" smtClean="0"/>
-              <a:t>19/01/2020</a:t>
+              <a:t>15/01/2021</a:t>
             </a:fld>
             <a:endParaRPr lang="fr-FR"/>
           </a:p>
@@ -1158,7 +1158,7 @@
           <a:p>
             <a:fld id="{936C1701-50D5-46A3-8884-D7962FCBEB35}" type="datetime1">
               <a:rPr lang="fr-FR" smtClean="0"/>
-              <a:t>19/01/2020</a:t>
+              <a:t>15/01/2021</a:t>
             </a:fld>
             <a:endParaRPr lang="fr-FR"/>
           </a:p>
@@ -1329,7 +1329,7 @@
           <a:p>
             <a:fld id="{FB1C5CD7-A317-4B47-8334-BE6C77F3043D}" type="datetime1">
               <a:rPr lang="fr-FR" smtClean="0"/>
-              <a:t>19/01/2020</a:t>
+              <a:t>15/01/2021</a:t>
             </a:fld>
             <a:endParaRPr lang="fr-FR"/>
           </a:p>
@@ -1577,7 +1577,7 @@
           <a:p>
             <a:fld id="{27BB4E62-2182-4E64-A865-E0316FE55639}" type="datetime1">
               <a:rPr lang="fr-FR" smtClean="0"/>
-              <a:t>19/01/2020</a:t>
+              <a:t>15/01/2021</a:t>
             </a:fld>
             <a:endParaRPr lang="fr-FR"/>
           </a:p>
@@ -1809,7 +1809,7 @@
           <a:p>
             <a:fld id="{5C848654-37BD-4CD6-BC6D-5ABAE3294E16}" type="datetime1">
               <a:rPr lang="fr-FR" smtClean="0"/>
-              <a:t>19/01/2020</a:t>
+              <a:t>15/01/2021</a:t>
             </a:fld>
             <a:endParaRPr lang="fr-FR"/>
           </a:p>
@@ -2176,7 +2176,7 @@
           <a:p>
             <a:fld id="{868D0E6B-48A9-4A38-BF7D-049DC383303E}" type="datetime1">
               <a:rPr lang="fr-FR" smtClean="0"/>
-              <a:t>19/01/2020</a:t>
+              <a:t>15/01/2021</a:t>
             </a:fld>
             <a:endParaRPr lang="fr-FR"/>
           </a:p>
@@ -2296,7 +2296,7 @@
           <a:p>
             <a:fld id="{48C90E04-18E3-4E93-8B1D-B61C20F8CDF0}" type="datetime1">
               <a:rPr lang="fr-FR" smtClean="0"/>
-              <a:t>19/01/2020</a:t>
+              <a:t>15/01/2021</a:t>
             </a:fld>
             <a:endParaRPr lang="fr-FR"/>
           </a:p>
@@ -2394,7 +2394,7 @@
           <a:p>
             <a:fld id="{35B94D30-C13E-4A60-87D1-612090FE3305}" type="datetime1">
               <a:rPr lang="fr-FR" smtClean="0"/>
-              <a:t>19/01/2020</a:t>
+              <a:t>15/01/2021</a:t>
             </a:fld>
             <a:endParaRPr lang="fr-FR"/>
           </a:p>
@@ -2672,7 +2672,7 @@
           <a:p>
             <a:fld id="{566614E8-8C48-447B-8312-B5AD964AE5CA}" type="datetime1">
               <a:rPr lang="fr-FR" smtClean="0"/>
-              <a:t>19/01/2020</a:t>
+              <a:t>15/01/2021</a:t>
             </a:fld>
             <a:endParaRPr lang="fr-FR"/>
           </a:p>
@@ -2927,7 +2927,7 @@
           <a:p>
             <a:fld id="{269CDBDD-4A65-4264-B0FD-6A38E12ADD25}" type="datetime1">
               <a:rPr lang="fr-FR" smtClean="0"/>
-              <a:t>19/01/2020</a:t>
+              <a:t>15/01/2021</a:t>
             </a:fld>
             <a:endParaRPr lang="fr-FR"/>
           </a:p>
@@ -3141,7 +3141,7 @@
           <a:p>
             <a:fld id="{A2F7CCBE-29F8-4CD9-B9A9-0931E30CBD53}" type="datetime1">
               <a:rPr lang="fr-FR" smtClean="0"/>
-              <a:t>19/01/2020</a:t>
+              <a:t>15/01/2021</a:t>
             </a:fld>
             <a:endParaRPr lang="fr-FR"/>
           </a:p>
@@ -3702,7 +3702,7 @@
           <a:p>
             <a:r>
               <a:rPr lang="fr-FR" dirty="0"/>
-              <a:t>Version 10 en 2019</a:t>
+              <a:t>Version 11 en 2020</a:t>
             </a:r>
           </a:p>
           <a:p>
@@ -5049,10 +5049,9 @@
               <a:t>apk</a:t>
             </a:r>
             <a:r>
-              <a:rPr lang="fr-FR"/>
+              <a:rPr lang="fr-FR" dirty="0"/>
               <a:t> signé</a:t>
             </a:r>
-            <a:endParaRPr lang="fr-FR" dirty="0"/>
           </a:p>
           <a:p>
             <a:endParaRPr lang="fr-FR" dirty="0"/>

--- a/0_ressources/presentation_android.pptx
+++ b/0_ressources/presentation_android.pptx
@@ -205,7 +205,7 @@
           <a:p>
             <a:fld id="{2A11EF29-F031-4460-BDC1-2F4C0816FF62}" type="datetimeFigureOut">
               <a:rPr lang="fr-FR" smtClean="0"/>
-              <a:t>15/01/2021</a:t>
+              <a:t>18/01/2022</a:t>
             </a:fld>
             <a:endParaRPr lang="fr-FR"/>
           </a:p>
@@ -806,7 +806,7 @@
           <a:p>
             <a:fld id="{61E68B4C-A18C-4580-9DBF-10C1B552DA0A}" type="datetime1">
               <a:rPr lang="fr-FR" smtClean="0"/>
-              <a:t>15/01/2021</a:t>
+              <a:t>18/01/2022</a:t>
             </a:fld>
             <a:endParaRPr lang="fr-FR"/>
           </a:p>
@@ -977,7 +977,7 @@
           <a:p>
             <a:fld id="{33BBDF30-760E-44D6-9977-54B88BDB306F}" type="datetime1">
               <a:rPr lang="fr-FR" smtClean="0"/>
-              <a:t>15/01/2021</a:t>
+              <a:t>18/01/2022</a:t>
             </a:fld>
             <a:endParaRPr lang="fr-FR"/>
           </a:p>
@@ -1158,7 +1158,7 @@
           <a:p>
             <a:fld id="{936C1701-50D5-46A3-8884-D7962FCBEB35}" type="datetime1">
               <a:rPr lang="fr-FR" smtClean="0"/>
-              <a:t>15/01/2021</a:t>
+              <a:t>18/01/2022</a:t>
             </a:fld>
             <a:endParaRPr lang="fr-FR"/>
           </a:p>
@@ -1329,7 +1329,7 @@
           <a:p>
             <a:fld id="{FB1C5CD7-A317-4B47-8334-BE6C77F3043D}" type="datetime1">
               <a:rPr lang="fr-FR" smtClean="0"/>
-              <a:t>15/01/2021</a:t>
+              <a:t>18/01/2022</a:t>
             </a:fld>
             <a:endParaRPr lang="fr-FR"/>
           </a:p>
@@ -1577,7 +1577,7 @@
           <a:p>
             <a:fld id="{27BB4E62-2182-4E64-A865-E0316FE55639}" type="datetime1">
               <a:rPr lang="fr-FR" smtClean="0"/>
-              <a:t>15/01/2021</a:t>
+              <a:t>18/01/2022</a:t>
             </a:fld>
             <a:endParaRPr lang="fr-FR"/>
           </a:p>
@@ -1809,7 +1809,7 @@
           <a:p>
             <a:fld id="{5C848654-37BD-4CD6-BC6D-5ABAE3294E16}" type="datetime1">
               <a:rPr lang="fr-FR" smtClean="0"/>
-              <a:t>15/01/2021</a:t>
+              <a:t>18/01/2022</a:t>
             </a:fld>
             <a:endParaRPr lang="fr-FR"/>
           </a:p>
@@ -2176,7 +2176,7 @@
           <a:p>
             <a:fld id="{868D0E6B-48A9-4A38-BF7D-049DC383303E}" type="datetime1">
               <a:rPr lang="fr-FR" smtClean="0"/>
-              <a:t>15/01/2021</a:t>
+              <a:t>18/01/2022</a:t>
             </a:fld>
             <a:endParaRPr lang="fr-FR"/>
           </a:p>
@@ -2296,7 +2296,7 @@
           <a:p>
             <a:fld id="{48C90E04-18E3-4E93-8B1D-B61C20F8CDF0}" type="datetime1">
               <a:rPr lang="fr-FR" smtClean="0"/>
-              <a:t>15/01/2021</a:t>
+              <a:t>18/01/2022</a:t>
             </a:fld>
             <a:endParaRPr lang="fr-FR"/>
           </a:p>
@@ -2394,7 +2394,7 @@
           <a:p>
             <a:fld id="{35B94D30-C13E-4A60-87D1-612090FE3305}" type="datetime1">
               <a:rPr lang="fr-FR" smtClean="0"/>
-              <a:t>15/01/2021</a:t>
+              <a:t>18/01/2022</a:t>
             </a:fld>
             <a:endParaRPr lang="fr-FR"/>
           </a:p>
@@ -2672,7 +2672,7 @@
           <a:p>
             <a:fld id="{566614E8-8C48-447B-8312-B5AD964AE5CA}" type="datetime1">
               <a:rPr lang="fr-FR" smtClean="0"/>
-              <a:t>15/01/2021</a:t>
+              <a:t>18/01/2022</a:t>
             </a:fld>
             <a:endParaRPr lang="fr-FR"/>
           </a:p>
@@ -2927,7 +2927,7 @@
           <a:p>
             <a:fld id="{269CDBDD-4A65-4264-B0FD-6A38E12ADD25}" type="datetime1">
               <a:rPr lang="fr-FR" smtClean="0"/>
-              <a:t>15/01/2021</a:t>
+              <a:t>18/01/2022</a:t>
             </a:fld>
             <a:endParaRPr lang="fr-FR"/>
           </a:p>
@@ -3141,7 +3141,7 @@
           <a:p>
             <a:fld id="{A2F7CCBE-29F8-4CD9-B9A9-0931E30CBD53}" type="datetime1">
               <a:rPr lang="fr-FR" smtClean="0"/>
-              <a:t>15/01/2021</a:t>
+              <a:t>18/01/2022</a:t>
             </a:fld>
             <a:endParaRPr lang="fr-FR"/>
           </a:p>
@@ -3702,7 +3702,7 @@
           <a:p>
             <a:r>
               <a:rPr lang="fr-FR" dirty="0"/>
-              <a:t>Version 11 en 2020</a:t>
+              <a:t>Version 12 en 2021</a:t>
             </a:r>
           </a:p>
           <a:p>
